--- a/Entelect Dojo Unit Testing.pptx
+++ b/Entelect Dojo Unit Testing.pptx
@@ -120,7 +120,7 @@
   </p:defaultTextStyle>
   <p:extLst>
     <p:ext uri="{EFAFB233-063F-42B5-8137-9DF3F51BA10A}">
-      <p15:sldGuideLst xmlns:p15="http://schemas.microsoft.com/office/powerpoint/2012/main" xmlns="">
+      <p15:sldGuideLst xmlns:p15="http://schemas.microsoft.com/office/powerpoint/2012/main">
         <p15:guide id="1" orient="horz" pos="1800">
           <p15:clr>
             <a:srgbClr val="A4A3A4"/>
@@ -134,7 +134,7 @@
       </p15:sldGuideLst>
     </p:ext>
     <p:ext uri="{2D200454-40CA-4A62-9FC3-DE9A4176ACB9}">
-      <p15:notesGuideLst xmlns:p15="http://schemas.microsoft.com/office/powerpoint/2012/main" xmlns="">
+      <p15:notesGuideLst xmlns:p15="http://schemas.microsoft.com/office/powerpoint/2012/main">
         <p15:guide id="1" orient="horz" pos="2880">
           <p15:clr>
             <a:srgbClr val="A4A3A4"/>
@@ -234,7 +234,7 @@
             <a:fld id="{2280EABA-BA46-4977-A468-5BA52A04D625}" type="datetimeFigureOut">
               <a:rPr lang="en-US" smtClean="0"/>
               <a:pPr/>
-              <a:t>5/25/2016</a:t>
+              <a:t>5/27/2016</a:t>
             </a:fld>
             <a:endParaRPr lang="en-US"/>
           </a:p>
@@ -401,7 +401,7 @@
             <a:fld id="{D9A4A4D6-0EB0-423B-8417-AC0C87E5E672}" type="datetimeFigureOut">
               <a:rPr lang="en-ZA" smtClean="0"/>
               <a:pPr/>
-              <a:t>2016/05/25</a:t>
+              <a:t>2016/05/27</a:t>
             </a:fld>
             <a:endParaRPr lang="en-ZA"/>
           </a:p>
@@ -714,10 +714,8 @@
           <a:bodyPr/>
           <a:lstStyle/>
           <a:p>
-            <a:r>
-              <a:rPr lang="en-ZA" dirty="0" smtClean="0"/>
-              <a:t>Behaviour testing</a:t>
-            </a:r>
+            <a:pPr lvl="0"/>
+            <a:endParaRPr lang="en-ZA" dirty="0"/>
           </a:p>
         </p:txBody>
       </p:sp>
@@ -739,7 +737,7 @@
             <a:fld id="{AABF9108-921F-4578-B50F-196EC54E7AE6}" type="slidenum">
               <a:rPr lang="en-ZA" smtClean="0"/>
               <a:pPr/>
-              <a:t>4</a:t>
+              <a:t>3</a:t>
             </a:fld>
             <a:endParaRPr lang="en-ZA"/>
           </a:p>
@@ -748,7 +746,7 @@
     </p:spTree>
     <p:extLst>
       <p:ext uri="{BB962C8B-B14F-4D97-AF65-F5344CB8AC3E}">
-        <p14:creationId xmlns:p14="http://schemas.microsoft.com/office/powerpoint/2010/main" val="3353482692"/>
+        <p14:creationId xmlns:p14="http://schemas.microsoft.com/office/powerpoint/2010/main" val="675815673"/>
       </p:ext>
     </p:extLst>
   </p:cSld>
@@ -802,11 +800,7 @@
           <a:bodyPr/>
           <a:lstStyle/>
           <a:p>
-            <a:r>
-              <a:rPr lang="en-ZA" dirty="0" smtClean="0"/>
-              <a:t>Performance testing</a:t>
-            </a:r>
-            <a:endParaRPr lang="en-ZA" dirty="0"/>
+            <a:endParaRPr lang="en-ZA" dirty="0" smtClean="0"/>
           </a:p>
         </p:txBody>
       </p:sp>
@@ -828,7 +822,7 @@
             <a:fld id="{AABF9108-921F-4578-B50F-196EC54E7AE6}" type="slidenum">
               <a:rPr lang="en-ZA" smtClean="0"/>
               <a:pPr/>
-              <a:t>5</a:t>
+              <a:t>4</a:t>
             </a:fld>
             <a:endParaRPr lang="en-ZA"/>
           </a:p>
@@ -837,7 +831,7 @@
     </p:spTree>
     <p:extLst>
       <p:ext uri="{BB962C8B-B14F-4D97-AF65-F5344CB8AC3E}">
-        <p14:creationId xmlns:p14="http://schemas.microsoft.com/office/powerpoint/2010/main" val="1307460456"/>
+        <p14:creationId xmlns:p14="http://schemas.microsoft.com/office/powerpoint/2010/main" val="3353482692"/>
       </p:ext>
     </p:extLst>
   </p:cSld>
@@ -891,19 +885,7 @@
           <a:bodyPr/>
           <a:lstStyle/>
           <a:p>
-            <a:r>
-              <a:rPr lang="en-ZA" dirty="0" smtClean="0"/>
-              <a:t>Keeps you focused</a:t>
-            </a:r>
-            <a:r>
-              <a:rPr lang="en-ZA" baseline="0" dirty="0" smtClean="0"/>
-              <a:t> with the test at hand, stops your </a:t>
-            </a:r>
-            <a:r>
-              <a:rPr lang="en-ZA" baseline="0" smtClean="0"/>
-              <a:t>from over-engineering.</a:t>
-            </a:r>
-            <a:endParaRPr lang="en-ZA"/>
+            <a:endParaRPr lang="en-ZA" dirty="0"/>
           </a:p>
         </p:txBody>
       </p:sp>
@@ -925,7 +907,7 @@
             <a:fld id="{AABF9108-921F-4578-B50F-196EC54E7AE6}" type="slidenum">
               <a:rPr lang="en-ZA" smtClean="0"/>
               <a:pPr/>
-              <a:t>6</a:t>
+              <a:t>5</a:t>
             </a:fld>
             <a:endParaRPr lang="en-ZA"/>
           </a:p>
@@ -934,7 +916,7 @@
     </p:spTree>
     <p:extLst>
       <p:ext uri="{BB962C8B-B14F-4D97-AF65-F5344CB8AC3E}">
-        <p14:creationId xmlns:p14="http://schemas.microsoft.com/office/powerpoint/2010/main" val="1315609809"/>
+        <p14:creationId xmlns:p14="http://schemas.microsoft.com/office/powerpoint/2010/main" val="1307460456"/>
       </p:ext>
     </p:extLst>
   </p:cSld>
@@ -990,65 +972,17 @@
           <a:p>
             <a:r>
               <a:rPr lang="en-ZA" dirty="0" smtClean="0"/>
-              <a:t>Behaviour</a:t>
+              <a:t>Keeps you focused</a:t>
             </a:r>
             <a:r>
               <a:rPr lang="en-ZA" baseline="0" dirty="0" smtClean="0"/>
-              <a:t> </a:t>
-            </a:r>
-            <a:r>
-              <a:rPr lang="en-ZA" baseline="0" dirty="0" smtClean="0"/>
-              <a:t>testing</a:t>
-            </a:r>
-          </a:p>
-          <a:p>
-            <a:r>
-              <a:rPr lang="en-ZA" baseline="0" dirty="0" smtClean="0"/>
-              <a:t>Limits of </a:t>
-            </a:r>
-            <a:r>
-              <a:rPr lang="en-ZA" baseline="0" dirty="0" err="1" smtClean="0"/>
-              <a:t>mockito</a:t>
-            </a:r>
-            <a:r>
-              <a:rPr lang="en-ZA" baseline="0" dirty="0" smtClean="0"/>
-              <a:t> - No static or final methods </a:t>
-            </a:r>
-          </a:p>
-          <a:p>
-            <a:r>
-              <a:rPr lang="en-ZA" baseline="0" dirty="0" smtClean="0"/>
-              <a:t>                         - No final classes</a:t>
-            </a:r>
-          </a:p>
-          <a:p>
-            <a:r>
-              <a:rPr lang="en-ZA" baseline="0" dirty="0" smtClean="0"/>
-              <a:t>                         - Cannot mock </a:t>
-            </a:r>
-            <a:r>
-              <a:rPr lang="en-ZA" baseline="0" dirty="0" err="1" smtClean="0"/>
-              <a:t>hashCode</a:t>
-            </a:r>
-            <a:r>
-              <a:rPr lang="en-ZA" baseline="0" dirty="0" smtClean="0"/>
-              <a:t>() or equals() (should not do that anyway)</a:t>
-            </a:r>
-          </a:p>
-          <a:p>
-            <a:r>
-              <a:rPr lang="en-ZA" baseline="0" dirty="0" smtClean="0"/>
-              <a:t>                         - Classes that refer to a </a:t>
-            </a:r>
-            <a:r>
-              <a:rPr lang="en-ZA" baseline="0" dirty="0" err="1" smtClean="0"/>
-              <a:t>OuterClass.this</a:t>
-            </a:r>
-            <a:r>
-              <a:rPr lang="en-ZA" baseline="0" dirty="0" smtClean="0"/>
-              <a:t> reference  </a:t>
-            </a:r>
-            <a:endParaRPr lang="en-ZA" dirty="0"/>
+              <a:t> with the test at hand, stops your </a:t>
+            </a:r>
+            <a:r>
+              <a:rPr lang="en-ZA" baseline="0" smtClean="0"/>
+              <a:t>from over-engineering.</a:t>
+            </a:r>
+            <a:endParaRPr lang="en-ZA"/>
           </a:p>
         </p:txBody>
       </p:sp>
@@ -1070,7 +1004,7 @@
             <a:fld id="{AABF9108-921F-4578-B50F-196EC54E7AE6}" type="slidenum">
               <a:rPr lang="en-ZA" smtClean="0"/>
               <a:pPr/>
-              <a:t>7</a:t>
+              <a:t>6</a:t>
             </a:fld>
             <a:endParaRPr lang="en-ZA"/>
           </a:p>
@@ -1079,7 +1013,7 @@
     </p:spTree>
     <p:extLst>
       <p:ext uri="{BB962C8B-B14F-4D97-AF65-F5344CB8AC3E}">
-        <p14:creationId xmlns:p14="http://schemas.microsoft.com/office/powerpoint/2010/main" val="2658695558"/>
+        <p14:creationId xmlns:p14="http://schemas.microsoft.com/office/powerpoint/2010/main" val="1315609809"/>
       </p:ext>
     </p:extLst>
   </p:cSld>
@@ -1135,6 +1069,147 @@
           <a:p>
             <a:r>
               <a:rPr lang="en-ZA" dirty="0" smtClean="0"/>
+              <a:t>Behaviour</a:t>
+            </a:r>
+            <a:r>
+              <a:rPr lang="en-ZA" baseline="0" dirty="0" smtClean="0"/>
+              <a:t> testing</a:t>
+            </a:r>
+          </a:p>
+          <a:p>
+            <a:r>
+              <a:rPr lang="en-ZA" baseline="0" dirty="0" smtClean="0"/>
+              <a:t>Limits of </a:t>
+            </a:r>
+            <a:r>
+              <a:rPr lang="en-ZA" baseline="0" dirty="0" err="1" smtClean="0"/>
+              <a:t>mockito</a:t>
+            </a:r>
+            <a:r>
+              <a:rPr lang="en-ZA" baseline="0" dirty="0" smtClean="0"/>
+              <a:t> - No static or final methods </a:t>
+            </a:r>
+          </a:p>
+          <a:p>
+            <a:r>
+              <a:rPr lang="en-ZA" baseline="0" dirty="0" smtClean="0"/>
+              <a:t>                         - No final classes</a:t>
+            </a:r>
+          </a:p>
+          <a:p>
+            <a:r>
+              <a:rPr lang="en-ZA" baseline="0" dirty="0" smtClean="0"/>
+              <a:t>                         - Cannot mock </a:t>
+            </a:r>
+            <a:r>
+              <a:rPr lang="en-ZA" baseline="0" dirty="0" err="1" smtClean="0"/>
+              <a:t>hashCode</a:t>
+            </a:r>
+            <a:r>
+              <a:rPr lang="en-ZA" baseline="0" dirty="0" smtClean="0"/>
+              <a:t>() or equals() (should not do that anyway)</a:t>
+            </a:r>
+          </a:p>
+          <a:p>
+            <a:r>
+              <a:rPr lang="en-ZA" baseline="0" dirty="0" smtClean="0"/>
+              <a:t>                         - Classes that refer to a </a:t>
+            </a:r>
+            <a:r>
+              <a:rPr lang="en-ZA" baseline="0" dirty="0" err="1" smtClean="0"/>
+              <a:t>OuterClass.this</a:t>
+            </a:r>
+            <a:r>
+              <a:rPr lang="en-ZA" baseline="0" dirty="0" smtClean="0"/>
+              <a:t> reference  </a:t>
+            </a:r>
+            <a:endParaRPr lang="en-ZA" dirty="0"/>
+          </a:p>
+        </p:txBody>
+      </p:sp>
+      <p:sp>
+        <p:nvSpPr>
+          <p:cNvPr id="4" name="Slide Number Placeholder 3"/>
+          <p:cNvSpPr>
+            <a:spLocks noGrp="1"/>
+          </p:cNvSpPr>
+          <p:nvPr>
+            <p:ph type="sldNum" sz="quarter" idx="10"/>
+          </p:nvPr>
+        </p:nvSpPr>
+        <p:spPr/>
+        <p:txBody>
+          <a:bodyPr/>
+          <a:lstStyle/>
+          <a:p>
+            <a:fld id="{AABF9108-921F-4578-B50F-196EC54E7AE6}" type="slidenum">
+              <a:rPr lang="en-ZA" smtClean="0"/>
+              <a:pPr/>
+              <a:t>7</a:t>
+            </a:fld>
+            <a:endParaRPr lang="en-ZA"/>
+          </a:p>
+        </p:txBody>
+      </p:sp>
+    </p:spTree>
+    <p:extLst>
+      <p:ext uri="{BB962C8B-B14F-4D97-AF65-F5344CB8AC3E}">
+        <p14:creationId xmlns:p14="http://schemas.microsoft.com/office/powerpoint/2010/main" val="2658695558"/>
+      </p:ext>
+    </p:extLst>
+  </p:cSld>
+  <p:clrMapOvr>
+    <a:masterClrMapping/>
+  </p:clrMapOvr>
+</p:notes>
+</file>
+
+<file path=ppt/notesSlides/notesSlide6.xml><?xml version="1.0" encoding="utf-8"?>
+<p:notes xmlns:a="http://schemas.openxmlformats.org/drawingml/2006/main" xmlns:r="http://schemas.openxmlformats.org/officeDocument/2006/relationships" xmlns:p="http://schemas.openxmlformats.org/presentationml/2006/main">
+  <p:cSld>
+    <p:spTree>
+      <p:nvGrpSpPr>
+        <p:cNvPr id="1" name=""/>
+        <p:cNvGrpSpPr/>
+        <p:nvPr/>
+      </p:nvGrpSpPr>
+      <p:grpSpPr>
+        <a:xfrm>
+          <a:off x="0" y="0"/>
+          <a:ext cx="0" cy="0"/>
+          <a:chOff x="0" y="0"/>
+          <a:chExt cx="0" cy="0"/>
+        </a:xfrm>
+      </p:grpSpPr>
+      <p:sp>
+        <p:nvSpPr>
+          <p:cNvPr id="2" name="Slide Image Placeholder 1"/>
+          <p:cNvSpPr>
+            <a:spLocks noGrp="1" noRot="1" noChangeAspect="1"/>
+          </p:cNvSpPr>
+          <p:nvPr>
+            <p:ph type="sldImg"/>
+          </p:nvPr>
+        </p:nvSpPr>
+        <p:spPr/>
+      </p:sp>
+      <p:sp>
+        <p:nvSpPr>
+          <p:cNvPr id="3" name="Notes Placeholder 2"/>
+          <p:cNvSpPr>
+            <a:spLocks noGrp="1"/>
+          </p:cNvSpPr>
+          <p:nvPr>
+            <p:ph type="body" idx="1"/>
+          </p:nvPr>
+        </p:nvSpPr>
+        <p:spPr/>
+        <p:txBody>
+          <a:bodyPr/>
+          <a:lstStyle/>
+          <a:p>
+            <a:r>
+              <a:rPr lang="en-ZA" dirty="0" smtClean="0"/>
               <a:t>State testing</a:t>
             </a:r>
             <a:endParaRPr lang="en-ZA" dirty="0"/>
@@ -1178,7 +1253,7 @@
 </p:notes>
 </file>
 
-<file path=ppt/notesSlides/notesSlide6.xml><?xml version="1.0" encoding="utf-8"?>
+<file path=ppt/notesSlides/notesSlide7.xml><?xml version="1.0" encoding="utf-8"?>
 <p:notes xmlns:a="http://schemas.openxmlformats.org/drawingml/2006/main" xmlns:r="http://schemas.openxmlformats.org/officeDocument/2006/relationships" xmlns:p="http://schemas.openxmlformats.org/presentationml/2006/main">
   <p:cSld>
     <p:spTree>
@@ -1465,7 +1540,7 @@
             <a:fld id="{986C9EB5-A2B4-494A-8466-BDB12800E3A8}" type="datetimeFigureOut">
               <a:rPr lang="en-ZA" smtClean="0"/>
               <a:pPr/>
-              <a:t>2016/05/25</a:t>
+              <a:t>2016/05/27</a:t>
             </a:fld>
             <a:endParaRPr lang="en-ZA"/>
           </a:p>
@@ -1661,7 +1736,7 @@
             <a:fld id="{986C9EB5-A2B4-494A-8466-BDB12800E3A8}" type="datetimeFigureOut">
               <a:rPr lang="en-ZA" smtClean="0"/>
               <a:pPr/>
-              <a:t>2016/05/25</a:t>
+              <a:t>2016/05/27</a:t>
             </a:fld>
             <a:endParaRPr lang="en-ZA"/>
           </a:p>
@@ -1874,7 +1949,7 @@
             <a:fld id="{986C9EB5-A2B4-494A-8466-BDB12800E3A8}" type="datetimeFigureOut">
               <a:rPr lang="en-ZA" smtClean="0"/>
               <a:pPr/>
-              <a:t>2016/05/25</a:t>
+              <a:t>2016/05/27</a:t>
             </a:fld>
             <a:endParaRPr lang="en-ZA"/>
           </a:p>
@@ -2353,7 +2428,7 @@
             <a:fld id="{986C9EB5-A2B4-494A-8466-BDB12800E3A8}" type="datetimeFigureOut">
               <a:rPr lang="en-ZA" smtClean="0"/>
               <a:pPr/>
-              <a:t>2016/05/25</a:t>
+              <a:t>2016/05/27</a:t>
             </a:fld>
             <a:endParaRPr lang="en-ZA" dirty="0"/>
           </a:p>
@@ -2646,7 +2721,7 @@
             <a:fld id="{986C9EB5-A2B4-494A-8466-BDB12800E3A8}" type="datetimeFigureOut">
               <a:rPr lang="en-ZA" smtClean="0"/>
               <a:pPr/>
-              <a:t>2016/05/25</a:t>
+              <a:t>2016/05/27</a:t>
             </a:fld>
             <a:endParaRPr lang="en-ZA"/>
           </a:p>
@@ -2960,7 +3035,7 @@
             <a:fld id="{986C9EB5-A2B4-494A-8466-BDB12800E3A8}" type="datetimeFigureOut">
               <a:rPr lang="en-ZA" smtClean="0"/>
               <a:pPr/>
-              <a:t>2016/05/25</a:t>
+              <a:t>2016/05/27</a:t>
             </a:fld>
             <a:endParaRPr lang="en-ZA"/>
           </a:p>
@@ -3408,7 +3483,7 @@
             <a:fld id="{986C9EB5-A2B4-494A-8466-BDB12800E3A8}" type="datetimeFigureOut">
               <a:rPr lang="en-ZA" smtClean="0"/>
               <a:pPr/>
-              <a:t>2016/05/25</a:t>
+              <a:t>2016/05/27</a:t>
             </a:fld>
             <a:endParaRPr lang="en-ZA"/>
           </a:p>
@@ -3552,7 +3627,7 @@
             <a:fld id="{986C9EB5-A2B4-494A-8466-BDB12800E3A8}" type="datetimeFigureOut">
               <a:rPr lang="en-ZA" smtClean="0"/>
               <a:pPr/>
-              <a:t>2016/05/25</a:t>
+              <a:t>2016/05/27</a:t>
             </a:fld>
             <a:endParaRPr lang="en-ZA"/>
           </a:p>
@@ -3680,7 +3755,7 @@
             <a:fld id="{986C9EB5-A2B4-494A-8466-BDB12800E3A8}" type="datetimeFigureOut">
               <a:rPr lang="en-ZA" smtClean="0"/>
               <a:pPr/>
-              <a:t>2016/05/25</a:t>
+              <a:t>2016/05/27</a:t>
             </a:fld>
             <a:endParaRPr lang="en-ZA"/>
           </a:p>
@@ -3990,7 +4065,7 @@
             <a:fld id="{986C9EB5-A2B4-494A-8466-BDB12800E3A8}" type="datetimeFigureOut">
               <a:rPr lang="en-ZA" smtClean="0"/>
               <a:pPr/>
-              <a:t>2016/05/25</a:t>
+              <a:t>2016/05/27</a:t>
             </a:fld>
             <a:endParaRPr lang="en-ZA"/>
           </a:p>
@@ -4276,7 +4351,7 @@
             <a:fld id="{986C9EB5-A2B4-494A-8466-BDB12800E3A8}" type="datetimeFigureOut">
               <a:rPr lang="en-ZA" smtClean="0"/>
               <a:pPr/>
-              <a:t>2016/05/25</a:t>
+              <a:t>2016/05/27</a:t>
             </a:fld>
             <a:endParaRPr lang="en-ZA"/>
           </a:p>
@@ -5698,10 +5773,10 @@
           </a:p>
           <a:p>
             <a:r>
-              <a:rPr lang="en-ZA" dirty="0" err="1" smtClean="0">
+              <a:rPr lang="en-ZA" dirty="0" smtClean="0">
                 <a:sym typeface="Wingdings" panose="05000000000000000000" pitchFamily="2" charset="2"/>
               </a:rPr>
-              <a:t>Verifyaa</a:t>
+              <a:t>Verify</a:t>
             </a:r>
             <a:endParaRPr lang="en-ZA" dirty="0" smtClean="0">
               <a:sym typeface="Wingdings" panose="05000000000000000000" pitchFamily="2" charset="2"/>

--- a/Entelect Dojo Unit Testing.pptx
+++ b/Entelect Dojo Unit Testing.pptx
@@ -120,7 +120,7 @@
   </p:defaultTextStyle>
   <p:extLst>
     <p:ext uri="{EFAFB233-063F-42B5-8137-9DF3F51BA10A}">
-      <p15:sldGuideLst xmlns:p15="http://schemas.microsoft.com/office/powerpoint/2012/main">
+      <p15:sldGuideLst xmlns:p15="http://schemas.microsoft.com/office/powerpoint/2012/main" xmlns="">
         <p15:guide id="1" orient="horz" pos="1800">
           <p15:clr>
             <a:srgbClr val="A4A3A4"/>
@@ -134,7 +134,7 @@
       </p15:sldGuideLst>
     </p:ext>
     <p:ext uri="{2D200454-40CA-4A62-9FC3-DE9A4176ACB9}">
-      <p15:notesGuideLst xmlns:p15="http://schemas.microsoft.com/office/powerpoint/2012/main">
+      <p15:notesGuideLst xmlns:p15="http://schemas.microsoft.com/office/powerpoint/2012/main" xmlns="">
         <p15:guide id="1" orient="horz" pos="2880">
           <p15:clr>
             <a:srgbClr val="A4A3A4"/>
@@ -234,7 +234,7 @@
             <a:fld id="{2280EABA-BA46-4977-A468-5BA52A04D625}" type="datetimeFigureOut">
               <a:rPr lang="en-US" smtClean="0"/>
               <a:pPr/>
-              <a:t>5/27/2016</a:t>
+              <a:t>6/8/2016</a:t>
             </a:fld>
             <a:endParaRPr lang="en-US"/>
           </a:p>
@@ -401,7 +401,7 @@
             <a:fld id="{D9A4A4D6-0EB0-423B-8417-AC0C87E5E672}" type="datetimeFigureOut">
               <a:rPr lang="en-ZA" smtClean="0"/>
               <a:pPr/>
-              <a:t>2016/05/27</a:t>
+              <a:t>2016/06/08</a:t>
             </a:fld>
             <a:endParaRPr lang="en-ZA"/>
           </a:p>
@@ -1540,7 +1540,7 @@
             <a:fld id="{986C9EB5-A2B4-494A-8466-BDB12800E3A8}" type="datetimeFigureOut">
               <a:rPr lang="en-ZA" smtClean="0"/>
               <a:pPr/>
-              <a:t>2016/05/27</a:t>
+              <a:t>2016/06/08</a:t>
             </a:fld>
             <a:endParaRPr lang="en-ZA"/>
           </a:p>
@@ -1736,7 +1736,7 @@
             <a:fld id="{986C9EB5-A2B4-494A-8466-BDB12800E3A8}" type="datetimeFigureOut">
               <a:rPr lang="en-ZA" smtClean="0"/>
               <a:pPr/>
-              <a:t>2016/05/27</a:t>
+              <a:t>2016/06/08</a:t>
             </a:fld>
             <a:endParaRPr lang="en-ZA"/>
           </a:p>
@@ -1949,7 +1949,7 @@
             <a:fld id="{986C9EB5-A2B4-494A-8466-BDB12800E3A8}" type="datetimeFigureOut">
               <a:rPr lang="en-ZA" smtClean="0"/>
               <a:pPr/>
-              <a:t>2016/05/27</a:t>
+              <a:t>2016/06/08</a:t>
             </a:fld>
             <a:endParaRPr lang="en-ZA"/>
           </a:p>
@@ -2428,7 +2428,7 @@
             <a:fld id="{986C9EB5-A2B4-494A-8466-BDB12800E3A8}" type="datetimeFigureOut">
               <a:rPr lang="en-ZA" smtClean="0"/>
               <a:pPr/>
-              <a:t>2016/05/27</a:t>
+              <a:t>2016/06/08</a:t>
             </a:fld>
             <a:endParaRPr lang="en-ZA" dirty="0"/>
           </a:p>
@@ -2721,7 +2721,7 @@
             <a:fld id="{986C9EB5-A2B4-494A-8466-BDB12800E3A8}" type="datetimeFigureOut">
               <a:rPr lang="en-ZA" smtClean="0"/>
               <a:pPr/>
-              <a:t>2016/05/27</a:t>
+              <a:t>2016/06/08</a:t>
             </a:fld>
             <a:endParaRPr lang="en-ZA"/>
           </a:p>
@@ -3035,7 +3035,7 @@
             <a:fld id="{986C9EB5-A2B4-494A-8466-BDB12800E3A8}" type="datetimeFigureOut">
               <a:rPr lang="en-ZA" smtClean="0"/>
               <a:pPr/>
-              <a:t>2016/05/27</a:t>
+              <a:t>2016/06/08</a:t>
             </a:fld>
             <a:endParaRPr lang="en-ZA"/>
           </a:p>
@@ -3483,7 +3483,7 @@
             <a:fld id="{986C9EB5-A2B4-494A-8466-BDB12800E3A8}" type="datetimeFigureOut">
               <a:rPr lang="en-ZA" smtClean="0"/>
               <a:pPr/>
-              <a:t>2016/05/27</a:t>
+              <a:t>2016/06/08</a:t>
             </a:fld>
             <a:endParaRPr lang="en-ZA"/>
           </a:p>
@@ -3627,7 +3627,7 @@
             <a:fld id="{986C9EB5-A2B4-494A-8466-BDB12800E3A8}" type="datetimeFigureOut">
               <a:rPr lang="en-ZA" smtClean="0"/>
               <a:pPr/>
-              <a:t>2016/05/27</a:t>
+              <a:t>2016/06/08</a:t>
             </a:fld>
             <a:endParaRPr lang="en-ZA"/>
           </a:p>
@@ -3755,7 +3755,7 @@
             <a:fld id="{986C9EB5-A2B4-494A-8466-BDB12800E3A8}" type="datetimeFigureOut">
               <a:rPr lang="en-ZA" smtClean="0"/>
               <a:pPr/>
-              <a:t>2016/05/27</a:t>
+              <a:t>2016/06/08</a:t>
             </a:fld>
             <a:endParaRPr lang="en-ZA"/>
           </a:p>
@@ -4065,7 +4065,7 @@
             <a:fld id="{986C9EB5-A2B4-494A-8466-BDB12800E3A8}" type="datetimeFigureOut">
               <a:rPr lang="en-ZA" smtClean="0"/>
               <a:pPr/>
-              <a:t>2016/05/27</a:t>
+              <a:t>2016/06/08</a:t>
             </a:fld>
             <a:endParaRPr lang="en-ZA"/>
           </a:p>
@@ -4351,7 +4351,7 @@
             <a:fld id="{986C9EB5-A2B4-494A-8466-BDB12800E3A8}" type="datetimeFigureOut">
               <a:rPr lang="en-ZA" smtClean="0"/>
               <a:pPr/>
-              <a:t>2016/05/27</a:t>
+              <a:t>2016/06/08</a:t>
             </a:fld>
             <a:endParaRPr lang="en-ZA"/>
           </a:p>
@@ -5407,6 +5407,57 @@
             </a:r>
           </a:p>
           <a:p>
+            <a:pPr lvl="2"/>
+            <a:r>
+              <a:rPr lang="en-ZA" dirty="0" err="1" smtClean="0"/>
+              <a:t>assertNotNull</a:t>
+            </a:r>
+            <a:r>
+              <a:rPr lang="en-ZA" dirty="0" smtClean="0"/>
+              <a:t>(</a:t>
+            </a:r>
+            <a:r>
+              <a:rPr lang="en-ZA" dirty="0" err="1" smtClean="0"/>
+              <a:t>newObject</a:t>
+            </a:r>
+            <a:r>
+              <a:rPr lang="en-ZA" dirty="0" smtClean="0"/>
+              <a:t>)</a:t>
+            </a:r>
+            <a:endParaRPr lang="en-ZA" dirty="0" smtClean="0"/>
+          </a:p>
+          <a:p>
+            <a:pPr lvl="2"/>
+            <a:r>
+              <a:rPr lang="en-ZA" dirty="0" err="1" smtClean="0"/>
+              <a:t>assertTrue</a:t>
+            </a:r>
+            <a:r>
+              <a:rPr lang="en-ZA" dirty="0" smtClean="0"/>
+              <a:t>(</a:t>
+            </a:r>
+            <a:r>
+              <a:rPr lang="en-ZA" dirty="0" err="1" smtClean="0"/>
+              <a:t>isValid</a:t>
+            </a:r>
+            <a:r>
+              <a:rPr lang="en-ZA" dirty="0" smtClean="0"/>
+              <a:t>)</a:t>
+            </a:r>
+          </a:p>
+          <a:p>
+            <a:pPr lvl="2"/>
+            <a:r>
+              <a:rPr lang="en-ZA" dirty="0" err="1" smtClean="0"/>
+              <a:t>assertEquals</a:t>
+            </a:r>
+            <a:r>
+              <a:rPr lang="en-ZA" dirty="0" smtClean="0"/>
+              <a:t>(“count not 20”, EXPECTED_COUNT, 20);</a:t>
+            </a:r>
+            <a:endParaRPr lang="en-ZA" dirty="0" smtClean="0"/>
+          </a:p>
+          <a:p>
             <a:r>
               <a:rPr lang="en-ZA" dirty="0" smtClean="0"/>
               <a:t>Before &amp; After tests</a:t>
@@ -5778,9 +5829,6 @@
               </a:rPr>
               <a:t>Verify</a:t>
             </a:r>
-            <a:endParaRPr lang="en-ZA" dirty="0" smtClean="0">
-              <a:sym typeface="Wingdings" panose="05000000000000000000" pitchFamily="2" charset="2"/>
-            </a:endParaRPr>
           </a:p>
           <a:p>
             <a:endParaRPr lang="en-ZA" dirty="0" smtClean="0">

--- a/Entelect Dojo Unit Testing.pptx
+++ b/Entelect Dojo Unit Testing.pptx
@@ -5391,8 +5391,28 @@
           <a:p>
             <a:r>
               <a:rPr lang="en-ZA" dirty="0" smtClean="0"/>
-              <a:t>@Test &amp; exceptions</a:t>
-            </a:r>
+              <a:t>@Test &amp; </a:t>
+            </a:r>
+            <a:r>
+              <a:rPr lang="en-ZA" dirty="0" smtClean="0"/>
+              <a:t>exceptions</a:t>
+            </a:r>
+          </a:p>
+          <a:p>
+            <a:pPr lvl="1"/>
+            <a:r>
+              <a:rPr lang="en-ZA" dirty="0"/>
+              <a:t>@Test(expected = </a:t>
+            </a:r>
+            <a:r>
+              <a:rPr lang="en-ZA" dirty="0" err="1" smtClean="0"/>
+              <a:t>ValidationException.class</a:t>
+            </a:r>
+            <a:r>
+              <a:rPr lang="en-ZA" dirty="0" smtClean="0"/>
+              <a:t>)</a:t>
+            </a:r>
+            <a:endParaRPr lang="en-ZA" dirty="0" smtClean="0"/>
           </a:p>
           <a:p>
             <a:r>

--- a/Entelect Dojo Unit Testing.pptx
+++ b/Entelect Dojo Unit Testing.pptx
@@ -120,7 +120,7 @@
   </p:defaultTextStyle>
   <p:extLst>
     <p:ext uri="{EFAFB233-063F-42B5-8137-9DF3F51BA10A}">
-      <p15:sldGuideLst xmlns:p15="http://schemas.microsoft.com/office/powerpoint/2012/main" xmlns="">
+      <p15:sldGuideLst xmlns:p15="http://schemas.microsoft.com/office/powerpoint/2012/main">
         <p15:guide id="1" orient="horz" pos="1800">
           <p15:clr>
             <a:srgbClr val="A4A3A4"/>
@@ -134,7 +134,7 @@
       </p15:sldGuideLst>
     </p:ext>
     <p:ext uri="{2D200454-40CA-4A62-9FC3-DE9A4176ACB9}">
-      <p15:notesGuideLst xmlns:p15="http://schemas.microsoft.com/office/powerpoint/2012/main" xmlns="">
+      <p15:notesGuideLst xmlns:p15="http://schemas.microsoft.com/office/powerpoint/2012/main">
         <p15:guide id="1" orient="horz" pos="2880">
           <p15:clr>
             <a:srgbClr val="A4A3A4"/>
@@ -234,7 +234,7 @@
             <a:fld id="{2280EABA-BA46-4977-A468-5BA52A04D625}" type="datetimeFigureOut">
               <a:rPr lang="en-US" smtClean="0"/>
               <a:pPr/>
-              <a:t>6/8/2016</a:t>
+              <a:t>5/17/2017</a:t>
             </a:fld>
             <a:endParaRPr lang="en-US"/>
           </a:p>
@@ -401,7 +401,7 @@
             <a:fld id="{D9A4A4D6-0EB0-423B-8417-AC0C87E5E672}" type="datetimeFigureOut">
               <a:rPr lang="en-ZA" smtClean="0"/>
               <a:pPr/>
-              <a:t>2016/06/08</a:t>
+              <a:t>2017/05/17</a:t>
             </a:fld>
             <a:endParaRPr lang="en-ZA"/>
           </a:p>
@@ -465,35 +465,35 @@
           <a:p>
             <a:pPr lvl="0"/>
             <a:r>
-              <a:rPr lang="en-US" smtClean="0"/>
+              <a:rPr lang="en-US"/>
               <a:t>Click to edit Master text styles</a:t>
             </a:r>
           </a:p>
           <a:p>
             <a:pPr lvl="1"/>
             <a:r>
-              <a:rPr lang="en-US" smtClean="0"/>
+              <a:rPr lang="en-US"/>
               <a:t>Second level</a:t>
             </a:r>
           </a:p>
           <a:p>
             <a:pPr lvl="2"/>
             <a:r>
-              <a:rPr lang="en-US" smtClean="0"/>
+              <a:rPr lang="en-US"/>
               <a:t>Third level</a:t>
             </a:r>
           </a:p>
           <a:p>
             <a:pPr lvl="3"/>
             <a:r>
-              <a:rPr lang="en-US" smtClean="0"/>
+              <a:rPr lang="en-US"/>
               <a:t>Fourth level</a:t>
             </a:r>
           </a:p>
           <a:p>
             <a:pPr lvl="4"/>
             <a:r>
-              <a:rPr lang="en-US" smtClean="0"/>
+              <a:rPr lang="en-US"/>
               <a:t>Fifth level</a:t>
             </a:r>
             <a:endParaRPr lang="en-ZA"/>
@@ -800,7 +800,7 @@
           <a:bodyPr/>
           <a:lstStyle/>
           <a:p>
-            <a:endParaRPr lang="en-ZA" dirty="0" smtClean="0"/>
+            <a:endParaRPr lang="en-ZA" dirty="0"/>
           </a:p>
         </p:txBody>
       </p:sp>
@@ -971,15 +971,15 @@
           <a:lstStyle/>
           <a:p>
             <a:r>
-              <a:rPr lang="en-ZA" dirty="0" smtClean="0"/>
+              <a:rPr lang="en-ZA" dirty="0"/>
               <a:t>Keeps you focused</a:t>
             </a:r>
             <a:r>
-              <a:rPr lang="en-ZA" baseline="0" dirty="0" smtClean="0"/>
+              <a:rPr lang="en-ZA" baseline="0" dirty="0"/>
               <a:t> with the test at hand, stops your </a:t>
             </a:r>
             <a:r>
-              <a:rPr lang="en-ZA" baseline="0" smtClean="0"/>
+              <a:rPr lang="en-ZA" baseline="0"/>
               <a:t>from over-engineering.</a:t>
             </a:r>
             <a:endParaRPr lang="en-ZA"/>
@@ -1068,59 +1068,59 @@
           <a:lstStyle/>
           <a:p>
             <a:r>
-              <a:rPr lang="en-ZA" dirty="0" smtClean="0"/>
+              <a:rPr lang="en-ZA" dirty="0"/>
               <a:t>Behaviour</a:t>
             </a:r>
             <a:r>
-              <a:rPr lang="en-ZA" baseline="0" dirty="0" smtClean="0"/>
+              <a:rPr lang="en-ZA" baseline="0" dirty="0"/>
               <a:t> testing</a:t>
             </a:r>
           </a:p>
           <a:p>
             <a:r>
-              <a:rPr lang="en-ZA" baseline="0" dirty="0" smtClean="0"/>
+              <a:rPr lang="en-ZA" baseline="0" dirty="0"/>
               <a:t>Limits of </a:t>
             </a:r>
             <a:r>
-              <a:rPr lang="en-ZA" baseline="0" dirty="0" err="1" smtClean="0"/>
+              <a:rPr lang="en-ZA" baseline="0" dirty="0" err="1"/>
               <a:t>mockito</a:t>
             </a:r>
             <a:r>
-              <a:rPr lang="en-ZA" baseline="0" dirty="0" smtClean="0"/>
+              <a:rPr lang="en-ZA" baseline="0" dirty="0"/>
               <a:t> - No static or final methods </a:t>
             </a:r>
           </a:p>
           <a:p>
             <a:r>
-              <a:rPr lang="en-ZA" baseline="0" dirty="0" smtClean="0"/>
+              <a:rPr lang="en-ZA" baseline="0" dirty="0"/>
               <a:t>                         - No final classes</a:t>
             </a:r>
           </a:p>
           <a:p>
             <a:r>
-              <a:rPr lang="en-ZA" baseline="0" dirty="0" smtClean="0"/>
+              <a:rPr lang="en-ZA" baseline="0" dirty="0"/>
               <a:t>                         - Cannot mock </a:t>
             </a:r>
             <a:r>
-              <a:rPr lang="en-ZA" baseline="0" dirty="0" err="1" smtClean="0"/>
+              <a:rPr lang="en-ZA" baseline="0" dirty="0" err="1"/>
               <a:t>hashCode</a:t>
             </a:r>
             <a:r>
-              <a:rPr lang="en-ZA" baseline="0" dirty="0" smtClean="0"/>
+              <a:rPr lang="en-ZA" baseline="0" dirty="0"/>
               <a:t>() or equals() (should not do that anyway)</a:t>
             </a:r>
           </a:p>
           <a:p>
             <a:r>
-              <a:rPr lang="en-ZA" baseline="0" dirty="0" smtClean="0"/>
+              <a:rPr lang="en-ZA" baseline="0" dirty="0"/>
               <a:t>                         - Classes that refer to a </a:t>
             </a:r>
             <a:r>
-              <a:rPr lang="en-ZA" baseline="0" dirty="0" err="1" smtClean="0"/>
+              <a:rPr lang="en-ZA" baseline="0" dirty="0" err="1"/>
               <a:t>OuterClass.this</a:t>
             </a:r>
             <a:r>
-              <a:rPr lang="en-ZA" baseline="0" dirty="0" smtClean="0"/>
+              <a:rPr lang="en-ZA" baseline="0" dirty="0"/>
               <a:t> reference  </a:t>
             </a:r>
             <a:endParaRPr lang="en-ZA" dirty="0"/>
@@ -1209,10 +1209,9 @@
           <a:lstStyle/>
           <a:p>
             <a:r>
-              <a:rPr lang="en-ZA" dirty="0" smtClean="0"/>
+              <a:rPr lang="en-ZA" dirty="0"/>
               <a:t>State testing</a:t>
             </a:r>
-            <a:endParaRPr lang="en-ZA" dirty="0"/>
           </a:p>
         </p:txBody>
       </p:sp>
@@ -1298,18 +1297,17 @@
           <a:lstStyle/>
           <a:p>
             <a:r>
-              <a:rPr lang="en-ZA" dirty="0" smtClean="0"/>
+              <a:rPr lang="en-ZA" dirty="0"/>
               <a:t>Spring </a:t>
             </a:r>
             <a:r>
-              <a:rPr lang="en-ZA" dirty="0" err="1" smtClean="0"/>
+              <a:rPr lang="en-ZA" dirty="0" err="1"/>
               <a:t>junit</a:t>
             </a:r>
             <a:r>
-              <a:rPr lang="en-ZA" dirty="0" smtClean="0"/>
+              <a:rPr lang="en-ZA" dirty="0"/>
               <a:t> runner?</a:t>
             </a:r>
-            <a:endParaRPr lang="en-ZA" dirty="0"/>
           </a:p>
         </p:txBody>
       </p:sp>
@@ -1388,7 +1386,7 @@
           <a:lstStyle/>
           <a:p>
             <a:r>
-              <a:rPr lang="en-US" smtClean="0"/>
+              <a:rPr lang="en-US"/>
               <a:t>Click to edit Master title style</a:t>
             </a:r>
             <a:endParaRPr lang="en-ZA"/>
@@ -1507,7 +1505,7 @@
           </a:lstStyle>
           <a:p>
             <a:r>
-              <a:rPr lang="en-US" smtClean="0"/>
+              <a:rPr lang="en-US"/>
               <a:t>Click to edit Master subtitle style</a:t>
             </a:r>
             <a:endParaRPr lang="en-ZA"/>
@@ -1540,7 +1538,7 @@
             <a:fld id="{986C9EB5-A2B4-494A-8466-BDB12800E3A8}" type="datetimeFigureOut">
               <a:rPr lang="en-ZA" smtClean="0"/>
               <a:pPr/>
-              <a:t>2016/06/08</a:t>
+              <a:t>2017/05/17</a:t>
             </a:fld>
             <a:endParaRPr lang="en-ZA"/>
           </a:p>
@@ -1651,7 +1649,7 @@
           <a:lstStyle/>
           <a:p>
             <a:r>
-              <a:rPr lang="en-US" smtClean="0"/>
+              <a:rPr lang="en-US"/>
               <a:t>Click to edit Master title style</a:t>
             </a:r>
             <a:endParaRPr lang="en-ZA"/>
@@ -1675,35 +1673,35 @@
           <a:p>
             <a:pPr lvl="0"/>
             <a:r>
-              <a:rPr lang="en-US" smtClean="0"/>
+              <a:rPr lang="en-US"/>
               <a:t>Click to edit Master text styles</a:t>
             </a:r>
           </a:p>
           <a:p>
             <a:pPr lvl="1"/>
             <a:r>
-              <a:rPr lang="en-US" smtClean="0"/>
+              <a:rPr lang="en-US"/>
               <a:t>Second level</a:t>
             </a:r>
           </a:p>
           <a:p>
             <a:pPr lvl="2"/>
             <a:r>
-              <a:rPr lang="en-US" smtClean="0"/>
+              <a:rPr lang="en-US"/>
               <a:t>Third level</a:t>
             </a:r>
           </a:p>
           <a:p>
             <a:pPr lvl="3"/>
             <a:r>
-              <a:rPr lang="en-US" smtClean="0"/>
+              <a:rPr lang="en-US"/>
               <a:t>Fourth level</a:t>
             </a:r>
           </a:p>
           <a:p>
             <a:pPr lvl="4"/>
             <a:r>
-              <a:rPr lang="en-US" smtClean="0"/>
+              <a:rPr lang="en-US"/>
               <a:t>Fifth level</a:t>
             </a:r>
             <a:endParaRPr lang="en-ZA"/>
@@ -1736,7 +1734,7 @@
             <a:fld id="{986C9EB5-A2B4-494A-8466-BDB12800E3A8}" type="datetimeFigureOut">
               <a:rPr lang="en-ZA" smtClean="0"/>
               <a:pPr/>
-              <a:t>2016/06/08</a:t>
+              <a:t>2017/05/17</a:t>
             </a:fld>
             <a:endParaRPr lang="en-ZA"/>
           </a:p>
@@ -1811,13 +1809,6 @@
   <p:clrMapOvr>
     <a:masterClrMapping/>
   </p:clrMapOvr>
-  <p:timing>
-    <p:tnLst>
-      <p:par>
-        <p:cTn id="1" dur="indefinite" restart="never" nodeType="tmRoot"/>
-      </p:par>
-    </p:tnLst>
-  </p:timing>
 </p:sldLayout>
 </file>
 
@@ -1859,7 +1850,7 @@
           <a:lstStyle/>
           <a:p>
             <a:r>
-              <a:rPr lang="en-US" smtClean="0"/>
+              <a:rPr lang="en-US"/>
               <a:t>Click to edit Master title style</a:t>
             </a:r>
             <a:endParaRPr lang="en-ZA"/>
@@ -1888,35 +1879,35 @@
           <a:p>
             <a:pPr lvl="0"/>
             <a:r>
-              <a:rPr lang="en-US" smtClean="0"/>
+              <a:rPr lang="en-US"/>
               <a:t>Click to edit Master text styles</a:t>
             </a:r>
           </a:p>
           <a:p>
             <a:pPr lvl="1"/>
             <a:r>
-              <a:rPr lang="en-US" smtClean="0"/>
+              <a:rPr lang="en-US"/>
               <a:t>Second level</a:t>
             </a:r>
           </a:p>
           <a:p>
             <a:pPr lvl="2"/>
             <a:r>
-              <a:rPr lang="en-US" smtClean="0"/>
+              <a:rPr lang="en-US"/>
               <a:t>Third level</a:t>
             </a:r>
           </a:p>
           <a:p>
             <a:pPr lvl="3"/>
             <a:r>
-              <a:rPr lang="en-US" smtClean="0"/>
+              <a:rPr lang="en-US"/>
               <a:t>Fourth level</a:t>
             </a:r>
           </a:p>
           <a:p>
             <a:pPr lvl="4"/>
             <a:r>
-              <a:rPr lang="en-US" smtClean="0"/>
+              <a:rPr lang="en-US"/>
               <a:t>Fifth level</a:t>
             </a:r>
             <a:endParaRPr lang="en-ZA"/>
@@ -1949,7 +1940,7 @@
             <a:fld id="{986C9EB5-A2B4-494A-8466-BDB12800E3A8}" type="datetimeFigureOut">
               <a:rPr lang="en-ZA" smtClean="0"/>
               <a:pPr/>
-              <a:t>2016/06/08</a:t>
+              <a:t>2017/05/17</a:t>
             </a:fld>
             <a:endParaRPr lang="en-ZA"/>
           </a:p>
@@ -2024,13 +2015,6 @@
   <p:clrMapOvr>
     <a:masterClrMapping/>
   </p:clrMapOvr>
-  <p:timing>
-    <p:tnLst>
-      <p:par>
-        <p:cTn id="1" dur="indefinite" restart="never" nodeType="tmRoot"/>
-      </p:par>
-    </p:tnLst>
-  </p:timing>
 </p:sldLayout>
 </file>
 
@@ -2160,7 +2144,7 @@
           </a:lstStyle>
           <a:p>
             <a:r>
-              <a:rPr lang="en-US" dirty="0" smtClean="0"/>
+              <a:rPr lang="en-US" dirty="0"/>
               <a:t>Title of Presentation</a:t>
             </a:r>
             <a:endParaRPr lang="en-ZA" dirty="0"/>
@@ -2271,13 +2255,6 @@
   <p:clrMapOvr>
     <a:masterClrMapping/>
   </p:clrMapOvr>
-  <p:timing>
-    <p:tnLst>
-      <p:par>
-        <p:cTn id="1" dur="indefinite" restart="never" nodeType="tmRoot"/>
-      </p:par>
-    </p:tnLst>
-  </p:timing>
 </p:sldLayout>
 </file>
 
@@ -2321,7 +2298,7 @@
           </a:lstStyle>
           <a:p>
             <a:r>
-              <a:rPr lang="en-US" dirty="0" smtClean="0"/>
+              <a:rPr lang="en-US" dirty="0"/>
               <a:t>Click to edit Master title style</a:t>
             </a:r>
             <a:endParaRPr lang="en-ZA" dirty="0"/>
@@ -2375,21 +2352,21 @@
           <a:p>
             <a:pPr lvl="0"/>
             <a:r>
-              <a:rPr lang="en-US" dirty="0" smtClean="0"/>
+              <a:rPr lang="en-US" dirty="0"/>
               <a:t>Click to edit Master text styles</a:t>
             </a:r>
           </a:p>
           <a:p>
             <a:pPr lvl="1"/>
             <a:r>
-              <a:rPr lang="en-US" dirty="0" smtClean="0"/>
+              <a:rPr lang="en-US" dirty="0"/>
               <a:t>Second level</a:t>
             </a:r>
           </a:p>
           <a:p>
             <a:pPr lvl="2"/>
             <a:r>
-              <a:rPr lang="en-US" dirty="0" smtClean="0"/>
+              <a:rPr lang="en-US" dirty="0"/>
               <a:t>Third level</a:t>
             </a:r>
           </a:p>
@@ -2428,7 +2405,7 @@
             <a:fld id="{986C9EB5-A2B4-494A-8466-BDB12800E3A8}" type="datetimeFigureOut">
               <a:rPr lang="en-ZA" smtClean="0"/>
               <a:pPr/>
-              <a:t>2016/06/08</a:t>
+              <a:t>2017/05/17</a:t>
             </a:fld>
             <a:endParaRPr lang="en-ZA" dirty="0"/>
           </a:p>
@@ -2517,13 +2494,6 @@
   <p:clrMapOvr>
     <a:masterClrMapping/>
   </p:clrMapOvr>
-  <p:timing>
-    <p:tnLst>
-      <p:par>
-        <p:cTn id="1" dur="indefinite" restart="never" nodeType="tmRoot"/>
-      </p:par>
-    </p:tnLst>
-  </p:timing>
 </p:sldLayout>
 </file>
 
@@ -2569,7 +2539,7 @@
           </a:lstStyle>
           <a:p>
             <a:r>
-              <a:rPr lang="en-US" smtClean="0"/>
+              <a:rPr lang="en-US"/>
               <a:t>Click to edit Master title style</a:t>
             </a:r>
             <a:endParaRPr lang="en-ZA"/>
@@ -2689,7 +2659,7 @@
           <a:p>
             <a:pPr lvl="0"/>
             <a:r>
-              <a:rPr lang="en-US" smtClean="0"/>
+              <a:rPr lang="en-US"/>
               <a:t>Click to edit Master text styles</a:t>
             </a:r>
           </a:p>
@@ -2721,7 +2691,7 @@
             <a:fld id="{986C9EB5-A2B4-494A-8466-BDB12800E3A8}" type="datetimeFigureOut">
               <a:rPr lang="en-ZA" smtClean="0"/>
               <a:pPr/>
-              <a:t>2016/06/08</a:t>
+              <a:t>2017/05/17</a:t>
             </a:fld>
             <a:endParaRPr lang="en-ZA"/>
           </a:p>
@@ -2832,7 +2802,7 @@
           <a:lstStyle/>
           <a:p>
             <a:r>
-              <a:rPr lang="en-US" smtClean="0"/>
+              <a:rPr lang="en-US"/>
               <a:t>Click to edit Master title style</a:t>
             </a:r>
             <a:endParaRPr lang="en-ZA"/>
@@ -2889,35 +2859,35 @@
           <a:p>
             <a:pPr lvl="0"/>
             <a:r>
-              <a:rPr lang="en-US" smtClean="0"/>
+              <a:rPr lang="en-US"/>
               <a:t>Click to edit Master text styles</a:t>
             </a:r>
           </a:p>
           <a:p>
             <a:pPr lvl="1"/>
             <a:r>
-              <a:rPr lang="en-US" smtClean="0"/>
+              <a:rPr lang="en-US"/>
               <a:t>Second level</a:t>
             </a:r>
           </a:p>
           <a:p>
             <a:pPr lvl="2"/>
             <a:r>
-              <a:rPr lang="en-US" smtClean="0"/>
+              <a:rPr lang="en-US"/>
               <a:t>Third level</a:t>
             </a:r>
           </a:p>
           <a:p>
             <a:pPr lvl="3"/>
             <a:r>
-              <a:rPr lang="en-US" smtClean="0"/>
+              <a:rPr lang="en-US"/>
               <a:t>Fourth level</a:t>
             </a:r>
           </a:p>
           <a:p>
             <a:pPr lvl="4"/>
             <a:r>
-              <a:rPr lang="en-US" smtClean="0"/>
+              <a:rPr lang="en-US"/>
               <a:t>Fifth level</a:t>
             </a:r>
             <a:endParaRPr lang="en-ZA"/>
@@ -2974,35 +2944,35 @@
           <a:p>
             <a:pPr lvl="0"/>
             <a:r>
-              <a:rPr lang="en-US" smtClean="0"/>
+              <a:rPr lang="en-US"/>
               <a:t>Click to edit Master text styles</a:t>
             </a:r>
           </a:p>
           <a:p>
             <a:pPr lvl="1"/>
             <a:r>
-              <a:rPr lang="en-US" smtClean="0"/>
+              <a:rPr lang="en-US"/>
               <a:t>Second level</a:t>
             </a:r>
           </a:p>
           <a:p>
             <a:pPr lvl="2"/>
             <a:r>
-              <a:rPr lang="en-US" smtClean="0"/>
+              <a:rPr lang="en-US"/>
               <a:t>Third level</a:t>
             </a:r>
           </a:p>
           <a:p>
             <a:pPr lvl="3"/>
             <a:r>
-              <a:rPr lang="en-US" smtClean="0"/>
+              <a:rPr lang="en-US"/>
               <a:t>Fourth level</a:t>
             </a:r>
           </a:p>
           <a:p>
             <a:pPr lvl="4"/>
             <a:r>
-              <a:rPr lang="en-US" smtClean="0"/>
+              <a:rPr lang="en-US"/>
               <a:t>Fifth level</a:t>
             </a:r>
             <a:endParaRPr lang="en-ZA"/>
@@ -3035,7 +3005,7 @@
             <a:fld id="{986C9EB5-A2B4-494A-8466-BDB12800E3A8}" type="datetimeFigureOut">
               <a:rPr lang="en-ZA" smtClean="0"/>
               <a:pPr/>
-              <a:t>2016/06/08</a:t>
+              <a:t>2017/05/17</a:t>
             </a:fld>
             <a:endParaRPr lang="en-ZA"/>
           </a:p>
@@ -3150,7 +3120,7 @@
           </a:lstStyle>
           <a:p>
             <a:r>
-              <a:rPr lang="en-US" smtClean="0"/>
+              <a:rPr lang="en-US"/>
               <a:t>Click to edit Master title style</a:t>
             </a:r>
             <a:endParaRPr lang="en-ZA"/>
@@ -3216,7 +3186,7 @@
           <a:p>
             <a:pPr lvl="0"/>
             <a:r>
-              <a:rPr lang="en-US" smtClean="0"/>
+              <a:rPr lang="en-US"/>
               <a:t>Click to edit Master text styles</a:t>
             </a:r>
           </a:p>
@@ -3272,35 +3242,35 @@
           <a:p>
             <a:pPr lvl="0"/>
             <a:r>
-              <a:rPr lang="en-US" smtClean="0"/>
+              <a:rPr lang="en-US"/>
               <a:t>Click to edit Master text styles</a:t>
             </a:r>
           </a:p>
           <a:p>
             <a:pPr lvl="1"/>
             <a:r>
-              <a:rPr lang="en-US" smtClean="0"/>
+              <a:rPr lang="en-US"/>
               <a:t>Second level</a:t>
             </a:r>
           </a:p>
           <a:p>
             <a:pPr lvl="2"/>
             <a:r>
-              <a:rPr lang="en-US" smtClean="0"/>
+              <a:rPr lang="en-US"/>
               <a:t>Third level</a:t>
             </a:r>
           </a:p>
           <a:p>
             <a:pPr lvl="3"/>
             <a:r>
-              <a:rPr lang="en-US" smtClean="0"/>
+              <a:rPr lang="en-US"/>
               <a:t>Fourth level</a:t>
             </a:r>
           </a:p>
           <a:p>
             <a:pPr lvl="4"/>
             <a:r>
-              <a:rPr lang="en-US" smtClean="0"/>
+              <a:rPr lang="en-US"/>
               <a:t>Fifth level</a:t>
             </a:r>
             <a:endParaRPr lang="en-ZA"/>
@@ -3366,7 +3336,7 @@
           <a:p>
             <a:pPr lvl="0"/>
             <a:r>
-              <a:rPr lang="en-US" smtClean="0"/>
+              <a:rPr lang="en-US"/>
               <a:t>Click to edit Master text styles</a:t>
             </a:r>
           </a:p>
@@ -3422,35 +3392,35 @@
           <a:p>
             <a:pPr lvl="0"/>
             <a:r>
-              <a:rPr lang="en-US" smtClean="0"/>
+              <a:rPr lang="en-US"/>
               <a:t>Click to edit Master text styles</a:t>
             </a:r>
           </a:p>
           <a:p>
             <a:pPr lvl="1"/>
             <a:r>
-              <a:rPr lang="en-US" smtClean="0"/>
+              <a:rPr lang="en-US"/>
               <a:t>Second level</a:t>
             </a:r>
           </a:p>
           <a:p>
             <a:pPr lvl="2"/>
             <a:r>
-              <a:rPr lang="en-US" smtClean="0"/>
+              <a:rPr lang="en-US"/>
               <a:t>Third level</a:t>
             </a:r>
           </a:p>
           <a:p>
             <a:pPr lvl="3"/>
             <a:r>
-              <a:rPr lang="en-US" smtClean="0"/>
+              <a:rPr lang="en-US"/>
               <a:t>Fourth level</a:t>
             </a:r>
           </a:p>
           <a:p>
             <a:pPr lvl="4"/>
             <a:r>
-              <a:rPr lang="en-US" smtClean="0"/>
+              <a:rPr lang="en-US"/>
               <a:t>Fifth level</a:t>
             </a:r>
             <a:endParaRPr lang="en-ZA"/>
@@ -3483,7 +3453,7 @@
             <a:fld id="{986C9EB5-A2B4-494A-8466-BDB12800E3A8}" type="datetimeFigureOut">
               <a:rPr lang="en-ZA" smtClean="0"/>
               <a:pPr/>
-              <a:t>2016/06/08</a:t>
+              <a:t>2017/05/17</a:t>
             </a:fld>
             <a:endParaRPr lang="en-ZA"/>
           </a:p>
@@ -3594,7 +3564,7 @@
           <a:lstStyle/>
           <a:p>
             <a:r>
-              <a:rPr lang="en-US" smtClean="0"/>
+              <a:rPr lang="en-US"/>
               <a:t>Click to edit Master title style</a:t>
             </a:r>
             <a:endParaRPr lang="en-ZA"/>
@@ -3627,7 +3597,7 @@
             <a:fld id="{986C9EB5-A2B4-494A-8466-BDB12800E3A8}" type="datetimeFigureOut">
               <a:rPr lang="en-ZA" smtClean="0"/>
               <a:pPr/>
-              <a:t>2016/06/08</a:t>
+              <a:t>2017/05/17</a:t>
             </a:fld>
             <a:endParaRPr lang="en-ZA"/>
           </a:p>
@@ -3702,13 +3672,6 @@
   <p:clrMapOvr>
     <a:masterClrMapping/>
   </p:clrMapOvr>
-  <p:timing>
-    <p:tnLst>
-      <p:par>
-        <p:cTn id="1" dur="indefinite" restart="never" nodeType="tmRoot"/>
-      </p:par>
-    </p:tnLst>
-  </p:timing>
 </p:sldLayout>
 </file>
 
@@ -3755,7 +3718,7 @@
             <a:fld id="{986C9EB5-A2B4-494A-8466-BDB12800E3A8}" type="datetimeFigureOut">
               <a:rPr lang="en-ZA" smtClean="0"/>
               <a:pPr/>
-              <a:t>2016/06/08</a:t>
+              <a:t>2017/05/17</a:t>
             </a:fld>
             <a:endParaRPr lang="en-ZA"/>
           </a:p>
@@ -3830,13 +3793,6 @@
   <p:clrMapOvr>
     <a:masterClrMapping/>
   </p:clrMapOvr>
-  <p:timing>
-    <p:tnLst>
-      <p:par>
-        <p:cTn id="1" dur="indefinite" restart="never" nodeType="tmRoot"/>
-      </p:par>
-    </p:tnLst>
-  </p:timing>
 </p:sldLayout>
 </file>
 
@@ -3882,7 +3838,7 @@
           </a:lstStyle>
           <a:p>
             <a:r>
-              <a:rPr lang="en-US" smtClean="0"/>
+              <a:rPr lang="en-US"/>
               <a:t>Click to edit Master title style</a:t>
             </a:r>
             <a:endParaRPr lang="en-ZA"/>
@@ -3939,35 +3895,35 @@
           <a:p>
             <a:pPr lvl="0"/>
             <a:r>
-              <a:rPr lang="en-US" smtClean="0"/>
+              <a:rPr lang="en-US"/>
               <a:t>Click to edit Master text styles</a:t>
             </a:r>
           </a:p>
           <a:p>
             <a:pPr lvl="1"/>
             <a:r>
-              <a:rPr lang="en-US" smtClean="0"/>
+              <a:rPr lang="en-US"/>
               <a:t>Second level</a:t>
             </a:r>
           </a:p>
           <a:p>
             <a:pPr lvl="2"/>
             <a:r>
-              <a:rPr lang="en-US" smtClean="0"/>
+              <a:rPr lang="en-US"/>
               <a:t>Third level</a:t>
             </a:r>
           </a:p>
           <a:p>
             <a:pPr lvl="3"/>
             <a:r>
-              <a:rPr lang="en-US" smtClean="0"/>
+              <a:rPr lang="en-US"/>
               <a:t>Fourth level</a:t>
             </a:r>
           </a:p>
           <a:p>
             <a:pPr lvl="4"/>
             <a:r>
-              <a:rPr lang="en-US" smtClean="0"/>
+              <a:rPr lang="en-US"/>
               <a:t>Fifth level</a:t>
             </a:r>
             <a:endParaRPr lang="en-ZA"/>
@@ -4033,7 +3989,7 @@
           <a:p>
             <a:pPr lvl="0"/>
             <a:r>
-              <a:rPr lang="en-US" smtClean="0"/>
+              <a:rPr lang="en-US"/>
               <a:t>Click to edit Master text styles</a:t>
             </a:r>
           </a:p>
@@ -4065,7 +4021,7 @@
             <a:fld id="{986C9EB5-A2B4-494A-8466-BDB12800E3A8}" type="datetimeFigureOut">
               <a:rPr lang="en-ZA" smtClean="0"/>
               <a:pPr/>
-              <a:t>2016/06/08</a:t>
+              <a:t>2017/05/17</a:t>
             </a:fld>
             <a:endParaRPr lang="en-ZA"/>
           </a:p>
@@ -4140,13 +4096,6 @@
   <p:clrMapOvr>
     <a:masterClrMapping/>
   </p:clrMapOvr>
-  <p:timing>
-    <p:tnLst>
-      <p:par>
-        <p:cTn id="1" dur="indefinite" restart="never" nodeType="tmRoot"/>
-      </p:par>
-    </p:tnLst>
-  </p:timing>
 </p:sldLayout>
 </file>
 
@@ -4192,7 +4141,7 @@
           </a:lstStyle>
           <a:p>
             <a:r>
-              <a:rPr lang="en-US" smtClean="0"/>
+              <a:rPr lang="en-US"/>
               <a:t>Click to edit Master title style</a:t>
             </a:r>
             <a:endParaRPr lang="en-ZA"/>
@@ -4319,7 +4268,7 @@
           <a:p>
             <a:pPr lvl="0"/>
             <a:r>
-              <a:rPr lang="en-US" smtClean="0"/>
+              <a:rPr lang="en-US"/>
               <a:t>Click to edit Master text styles</a:t>
             </a:r>
           </a:p>
@@ -4351,7 +4300,7 @@
             <a:fld id="{986C9EB5-A2B4-494A-8466-BDB12800E3A8}" type="datetimeFigureOut">
               <a:rPr lang="en-ZA" smtClean="0"/>
               <a:pPr/>
-              <a:t>2016/06/08</a:t>
+              <a:t>2017/05/17</a:t>
             </a:fld>
             <a:endParaRPr lang="en-ZA"/>
           </a:p>
@@ -4426,13 +4375,6 @@
   <p:clrMapOvr>
     <a:masterClrMapping/>
   </p:clrMapOvr>
-  <p:timing>
-    <p:tnLst>
-      <p:par>
-        <p:cTn id="1" dur="indefinite" restart="never" nodeType="tmRoot"/>
-      </p:par>
-    </p:tnLst>
-  </p:timing>
 </p:sldLayout>
 </file>
 
@@ -4484,7 +4426,7 @@
           <a:lstStyle/>
           <a:p>
             <a:r>
-              <a:rPr lang="en-US" dirty="0" smtClean="0"/>
+              <a:rPr lang="en-US" dirty="0"/>
               <a:t>Click to edit Master title style</a:t>
             </a:r>
             <a:endParaRPr lang="en-ZA" dirty="0"/>
@@ -4518,21 +4460,21 @@
           <a:p>
             <a:pPr lvl="0"/>
             <a:r>
-              <a:rPr lang="en-US" dirty="0" smtClean="0"/>
+              <a:rPr lang="en-US" dirty="0"/>
               <a:t>Click to edit Master text styles</a:t>
             </a:r>
           </a:p>
           <a:p>
             <a:pPr lvl="1"/>
             <a:r>
-              <a:rPr lang="en-US" dirty="0" smtClean="0"/>
+              <a:rPr lang="en-US" dirty="0"/>
               <a:t>Second level</a:t>
             </a:r>
           </a:p>
           <a:p>
             <a:pPr lvl="2"/>
             <a:r>
-              <a:rPr lang="en-US" dirty="0" smtClean="0"/>
+              <a:rPr lang="en-US" dirty="0"/>
               <a:t>Third level</a:t>
             </a:r>
           </a:p>
@@ -4630,13 +4572,6 @@
     <p:sldLayoutId id="2147483659" r:id="rId11"/>
     <p:sldLayoutId id="2147483660" r:id="rId12"/>
   </p:sldLayoutIdLst>
-  <p:timing>
-    <p:tnLst>
-      <p:par>
-        <p:cTn id="1" dur="indefinite" restart="never" nodeType="tmRoot"/>
-      </p:par>
-    </p:tnLst>
-  </p:timing>
   <p:txStyles>
     <p:titleStyle>
       <a:lvl1pPr algn="l" defTabSz="914400" rtl="0" eaLnBrk="1" latinLnBrk="0" hangingPunct="1">
@@ -4954,7 +4889,7 @@
           </a:lstStyle>
           <a:p>
             <a:r>
-              <a:rPr lang="en-ZA" sz="1800" b="0" smtClean="0">
+              <a:rPr lang="en-ZA" sz="1800" b="0" dirty="0">
                 <a:solidFill>
                   <a:schemeClr val="bg1">
                     <a:lumMod val="50000"/>
@@ -4963,10 +4898,12 @@
                 <a:latin typeface="Arial" pitchFamily="34" charset="0"/>
                 <a:cs typeface="Arial" pitchFamily="34" charset="0"/>
               </a:rPr>
-              <a:t>Grant-Andre </a:t>
-            </a:r>
-            <a:r>
-              <a:rPr lang="en-ZA" sz="1800" b="0" dirty="0" smtClean="0">
+              <a:t>Grant-Andre Marais &amp; Pieter Botha</a:t>
+            </a:r>
+          </a:p>
+          <a:p>
+            <a:r>
+              <a:rPr lang="en-ZA" sz="1800" b="0" dirty="0">
                 <a:solidFill>
                   <a:schemeClr val="bg1">
                     <a:lumMod val="50000"/>
@@ -4975,67 +4912,8 @@
                 <a:latin typeface="Arial" pitchFamily="34" charset="0"/>
                 <a:cs typeface="Arial" pitchFamily="34" charset="0"/>
               </a:rPr>
-              <a:t>Marais &amp; Pieter Botha</a:t>
-            </a:r>
-          </a:p>
-          <a:p>
-            <a:r>
-              <a:rPr lang="en-ZA" sz="1800" b="0" dirty="0" err="1" smtClean="0">
-                <a:solidFill>
-                  <a:schemeClr val="bg1">
-                    <a:lumMod val="50000"/>
-                  </a:schemeClr>
-                </a:solidFill>
-                <a:latin typeface="Arial" pitchFamily="34" charset="0"/>
-                <a:cs typeface="Arial" pitchFamily="34" charset="0"/>
-              </a:rPr>
-              <a:t>SomeDay</a:t>
-            </a:r>
-            <a:r>
-              <a:rPr lang="en-ZA" sz="1800" b="0" dirty="0" smtClean="0">
-                <a:solidFill>
-                  <a:schemeClr val="bg1">
-                    <a:lumMod val="50000"/>
-                  </a:schemeClr>
-                </a:solidFill>
-                <a:latin typeface="Arial" pitchFamily="34" charset="0"/>
-                <a:cs typeface="Arial" pitchFamily="34" charset="0"/>
-              </a:rPr>
-              <a:t> </a:t>
-            </a:r>
-            <a:r>
-              <a:rPr lang="en-ZA" sz="1800" b="0" dirty="0" err="1" smtClean="0">
-                <a:solidFill>
-                  <a:schemeClr val="bg1">
-                    <a:lumMod val="50000"/>
-                  </a:schemeClr>
-                </a:solidFill>
-                <a:latin typeface="Arial" pitchFamily="34" charset="0"/>
-                <a:cs typeface="Arial" pitchFamily="34" charset="0"/>
-              </a:rPr>
-              <a:t>SomeMonth</a:t>
-            </a:r>
-            <a:r>
-              <a:rPr lang="en-ZA" sz="1800" b="0" dirty="0" smtClean="0">
-                <a:solidFill>
-                  <a:schemeClr val="bg1">
-                    <a:lumMod val="50000"/>
-                  </a:schemeClr>
-                </a:solidFill>
-                <a:latin typeface="Arial" pitchFamily="34" charset="0"/>
-                <a:cs typeface="Arial" pitchFamily="34" charset="0"/>
-              </a:rPr>
-              <a:t> 2016 </a:t>
-            </a:r>
-            <a:endParaRPr lang="en-ZA" sz="1800" b="0" dirty="0">
-              <a:solidFill>
-                <a:schemeClr val="bg1">
-                  <a:lumMod val="50000"/>
-                </a:schemeClr>
-              </a:solidFill>
-              <a:latin typeface="Arial" pitchFamily="34" charset="0"/>
-              <a:cs typeface="Arial" pitchFamily="34" charset="0"/>
-            </a:endParaRPr>
+              <a:t>19 May 2017 </a:t>
+            </a:r>
           </a:p>
         </p:txBody>
       </p:sp>
@@ -5060,10 +4938,9 @@
           <a:lstStyle/>
           <a:p>
             <a:r>
-              <a:rPr lang="en-ZA" dirty="0" smtClean="0"/>
+              <a:rPr lang="en-ZA" dirty="0"/>
               <a:t>Dojo Unit testing</a:t>
             </a:r>
-            <a:endParaRPr lang="en-ZA" dirty="0"/>
           </a:p>
         </p:txBody>
       </p:sp>
@@ -5125,13 +5002,6 @@
   <p:clrMapOvr>
     <a:masterClrMapping/>
   </p:clrMapOvr>
-  <p:timing>
-    <p:tnLst>
-      <p:par>
-        <p:cTn id="1" dur="indefinite" restart="never" nodeType="tmRoot"/>
-      </p:par>
-    </p:tnLst>
-  </p:timing>
 </p:sld>
 </file>
 
@@ -5168,10 +5038,9 @@
           <a:lstStyle/>
           <a:p>
             <a:r>
-              <a:rPr lang="en-ZA" dirty="0" smtClean="0"/>
+              <a:rPr lang="en-ZA" dirty="0"/>
               <a:t>Types of tests</a:t>
             </a:r>
-            <a:endParaRPr lang="en-ZA" dirty="0"/>
           </a:p>
         </p:txBody>
       </p:sp>
@@ -5191,25 +5060,25 @@
           <a:lstStyle/>
           <a:p>
             <a:r>
-              <a:rPr lang="en-ZA" dirty="0" smtClean="0"/>
+              <a:rPr lang="en-ZA" dirty="0"/>
               <a:t>Behaviour testing</a:t>
             </a:r>
           </a:p>
           <a:p>
             <a:r>
-              <a:rPr lang="en-ZA" dirty="0" smtClean="0"/>
+              <a:rPr lang="en-ZA" dirty="0"/>
               <a:t>State testing</a:t>
             </a:r>
           </a:p>
           <a:p>
             <a:r>
-              <a:rPr lang="en-ZA" dirty="0" smtClean="0"/>
+              <a:rPr lang="en-ZA" dirty="0"/>
               <a:t>Performance testing</a:t>
             </a:r>
           </a:p>
           <a:p>
             <a:r>
-              <a:rPr lang="en-ZA" dirty="0" smtClean="0"/>
+              <a:rPr lang="en-ZA" dirty="0"/>
               <a:t>Integration testing</a:t>
             </a:r>
           </a:p>
@@ -5264,53 +5133,52 @@
           <a:lstStyle/>
           <a:p>
             <a:r>
-              <a:rPr lang="en-ZA" dirty="0" smtClean="0"/>
+              <a:rPr lang="en-ZA" dirty="0"/>
               <a:t>Unit Testing: How do I start</a:t>
             </a:r>
+          </a:p>
+        </p:txBody>
+      </p:sp>
+      <p:sp>
+        <p:nvSpPr>
+          <p:cNvPr id="3" name="Content Placeholder 2"/>
+          <p:cNvSpPr>
+            <a:spLocks noGrp="1"/>
+          </p:cNvSpPr>
+          <p:nvPr>
+            <p:ph idx="1"/>
+          </p:nvPr>
+        </p:nvSpPr>
+        <p:spPr/>
+        <p:txBody>
+          <a:bodyPr/>
+          <a:lstStyle/>
+          <a:p>
+            <a:r>
+              <a:rPr lang="en-ZA" dirty="0"/>
+              <a:t>Installation with Maven</a:t>
+            </a:r>
+          </a:p>
+          <a:p>
+            <a:r>
+              <a:rPr lang="en-ZA" dirty="0"/>
+              <a:t>Find a place for your test classes</a:t>
+            </a:r>
+          </a:p>
+          <a:p>
+            <a:r>
+              <a:rPr lang="en-ZA" dirty="0"/>
+              <a:t>Naming your test classes &amp; functions</a:t>
+            </a:r>
+          </a:p>
+          <a:p>
+            <a:r>
+              <a:rPr lang="en-ZA" dirty="0"/>
+              <a:t>Creating &amp; running your first test</a:t>
+            </a:r>
+          </a:p>
+          <a:p>
             <a:endParaRPr lang="en-ZA" dirty="0"/>
-          </a:p>
-        </p:txBody>
-      </p:sp>
-      <p:sp>
-        <p:nvSpPr>
-          <p:cNvPr id="3" name="Content Placeholder 2"/>
-          <p:cNvSpPr>
-            <a:spLocks noGrp="1"/>
-          </p:cNvSpPr>
-          <p:nvPr>
-            <p:ph idx="1"/>
-          </p:nvPr>
-        </p:nvSpPr>
-        <p:spPr/>
-        <p:txBody>
-          <a:bodyPr/>
-          <a:lstStyle/>
-          <a:p>
-            <a:r>
-              <a:rPr lang="en-ZA" dirty="0" smtClean="0"/>
-              <a:t>Installation with Maven</a:t>
-            </a:r>
-          </a:p>
-          <a:p>
-            <a:r>
-              <a:rPr lang="en-ZA" dirty="0" smtClean="0"/>
-              <a:t>Find a place for your test classes</a:t>
-            </a:r>
-          </a:p>
-          <a:p>
-            <a:r>
-              <a:rPr lang="en-ZA" dirty="0" smtClean="0"/>
-              <a:t>Naming your test classes &amp; functions</a:t>
-            </a:r>
-          </a:p>
-          <a:p>
-            <a:r>
-              <a:rPr lang="en-ZA" dirty="0" smtClean="0"/>
-              <a:t>Creating &amp; running your first test</a:t>
-            </a:r>
-          </a:p>
-          <a:p>
-            <a:endParaRPr lang="en-ZA" dirty="0" smtClean="0"/>
           </a:p>
           <a:p>
             <a:endParaRPr lang="en-ZA" dirty="0"/>
@@ -5363,14 +5231,13 @@
           <a:lstStyle/>
           <a:p>
             <a:r>
-              <a:rPr lang="en-ZA" dirty="0" err="1" smtClean="0"/>
+              <a:rPr lang="en-ZA" dirty="0" err="1"/>
               <a:t>JUnit</a:t>
             </a:r>
             <a:r>
-              <a:rPr lang="en-ZA" dirty="0" smtClean="0"/>
+              <a:rPr lang="en-ZA" dirty="0"/>
               <a:t> general usage</a:t>
             </a:r>
-            <a:endParaRPr lang="en-ZA" dirty="0"/>
           </a:p>
         </p:txBody>
       </p:sp>
@@ -5390,12 +5257,8 @@
           <a:lstStyle/>
           <a:p>
             <a:r>
-              <a:rPr lang="en-ZA" dirty="0" smtClean="0"/>
-              <a:t>@Test &amp; </a:t>
-            </a:r>
-            <a:r>
-              <a:rPr lang="en-ZA" dirty="0" smtClean="0"/>
-              <a:t>exceptions</a:t>
+              <a:rPr lang="en-ZA" dirty="0"/>
+              <a:t>@Test &amp; exceptions</a:t>
             </a:r>
           </a:p>
           <a:p>
@@ -5405,84 +5268,80 @@
               <a:t>@Test(expected = </a:t>
             </a:r>
             <a:r>
-              <a:rPr lang="en-ZA" dirty="0" err="1" smtClean="0"/>
+              <a:rPr lang="en-ZA" dirty="0" err="1"/>
               <a:t>ValidationException.class</a:t>
             </a:r>
             <a:r>
-              <a:rPr lang="en-ZA" dirty="0" smtClean="0"/>
+              <a:rPr lang="en-ZA" dirty="0"/>
               <a:t>)</a:t>
             </a:r>
-            <a:endParaRPr lang="en-ZA" dirty="0" smtClean="0"/>
-          </a:p>
-          <a:p>
-            <a:r>
-              <a:rPr lang="en-ZA" dirty="0" smtClean="0"/>
+          </a:p>
+          <a:p>
+            <a:r>
+              <a:rPr lang="en-ZA" dirty="0"/>
               <a:t>Static imports</a:t>
             </a:r>
           </a:p>
           <a:p>
             <a:r>
-              <a:rPr lang="en-ZA" dirty="0" smtClean="0"/>
+              <a:rPr lang="en-ZA" dirty="0"/>
               <a:t>Asserts</a:t>
             </a:r>
           </a:p>
           <a:p>
             <a:pPr lvl="2"/>
             <a:r>
-              <a:rPr lang="en-ZA" dirty="0" err="1" smtClean="0"/>
+              <a:rPr lang="en-ZA" dirty="0" err="1"/>
               <a:t>assertNotNull</a:t>
             </a:r>
             <a:r>
-              <a:rPr lang="en-ZA" dirty="0" smtClean="0"/>
+              <a:rPr lang="en-ZA" dirty="0"/>
               <a:t>(</a:t>
             </a:r>
             <a:r>
-              <a:rPr lang="en-ZA" dirty="0" err="1" smtClean="0"/>
+              <a:rPr lang="en-ZA" dirty="0" err="1"/>
               <a:t>newObject</a:t>
             </a:r>
             <a:r>
-              <a:rPr lang="en-ZA" dirty="0" smtClean="0"/>
+              <a:rPr lang="en-ZA" dirty="0"/>
               <a:t>)</a:t>
             </a:r>
-            <a:endParaRPr lang="en-ZA" dirty="0" smtClean="0"/>
           </a:p>
           <a:p>
             <a:pPr lvl="2"/>
             <a:r>
-              <a:rPr lang="en-ZA" dirty="0" err="1" smtClean="0"/>
+              <a:rPr lang="en-ZA" dirty="0" err="1"/>
               <a:t>assertTrue</a:t>
             </a:r>
             <a:r>
-              <a:rPr lang="en-ZA" dirty="0" smtClean="0"/>
+              <a:rPr lang="en-ZA" dirty="0"/>
               <a:t>(</a:t>
             </a:r>
             <a:r>
-              <a:rPr lang="en-ZA" dirty="0" err="1" smtClean="0"/>
+              <a:rPr lang="en-ZA" dirty="0" err="1"/>
               <a:t>isValid</a:t>
             </a:r>
             <a:r>
-              <a:rPr lang="en-ZA" dirty="0" smtClean="0"/>
+              <a:rPr lang="en-ZA" dirty="0"/>
               <a:t>)</a:t>
             </a:r>
           </a:p>
           <a:p>
             <a:pPr lvl="2"/>
             <a:r>
-              <a:rPr lang="en-ZA" dirty="0" err="1" smtClean="0"/>
+              <a:rPr lang="en-ZA" dirty="0" err="1"/>
               <a:t>assertEquals</a:t>
             </a:r>
             <a:r>
-              <a:rPr lang="en-ZA" dirty="0" smtClean="0"/>
+              <a:rPr lang="en-ZA" dirty="0"/>
               <a:t>(“count not 20”, EXPECTED_COUNT, 20);</a:t>
             </a:r>
-            <a:endParaRPr lang="en-ZA" dirty="0" smtClean="0"/>
-          </a:p>
-          <a:p>
-            <a:r>
-              <a:rPr lang="en-ZA" dirty="0" smtClean="0"/>
+          </a:p>
+          <a:p>
+            <a:r>
+              <a:rPr lang="en-ZA" dirty="0"/>
               <a:t>Before &amp; After tests</a:t>
             </a:r>
-            <a:endParaRPr lang="en-ZA" dirty="0"/>
           </a:p>
         </p:txBody>
       </p:sp>
@@ -5532,66 +5391,65 @@
           <a:lstStyle/>
           <a:p>
             <a:r>
-              <a:rPr lang="en-ZA" dirty="0" smtClean="0"/>
+              <a:rPr lang="en-ZA" dirty="0"/>
               <a:t>Advanced </a:t>
             </a:r>
             <a:r>
-              <a:rPr lang="en-ZA" dirty="0" err="1" smtClean="0"/>
+              <a:rPr lang="en-ZA" dirty="0" err="1"/>
               <a:t>Junit</a:t>
             </a:r>
             <a:r>
-              <a:rPr lang="en-ZA" dirty="0" smtClean="0"/>
+              <a:rPr lang="en-ZA" dirty="0"/>
               <a:t> Usage</a:t>
             </a:r>
+          </a:p>
+        </p:txBody>
+      </p:sp>
+      <p:sp>
+        <p:nvSpPr>
+          <p:cNvPr id="3" name="Content Placeholder 2"/>
+          <p:cNvSpPr>
+            <a:spLocks noGrp="1"/>
+          </p:cNvSpPr>
+          <p:nvPr>
+            <p:ph idx="1"/>
+          </p:nvPr>
+        </p:nvSpPr>
+        <p:spPr/>
+        <p:txBody>
+          <a:bodyPr/>
+          <a:lstStyle/>
+          <a:p>
+            <a:r>
+              <a:rPr lang="en-ZA" dirty="0"/>
+              <a:t>@</a:t>
+            </a:r>
+            <a:r>
+              <a:rPr lang="en-ZA" dirty="0" err="1"/>
+              <a:t>RunWith</a:t>
+            </a:r>
             <a:endParaRPr lang="en-ZA" dirty="0"/>
           </a:p>
-        </p:txBody>
-      </p:sp>
-      <p:sp>
-        <p:nvSpPr>
-          <p:cNvPr id="3" name="Content Placeholder 2"/>
-          <p:cNvSpPr>
-            <a:spLocks noGrp="1"/>
-          </p:cNvSpPr>
-          <p:nvPr>
-            <p:ph idx="1"/>
-          </p:nvPr>
-        </p:nvSpPr>
-        <p:spPr/>
-        <p:txBody>
-          <a:bodyPr/>
-          <a:lstStyle/>
-          <a:p>
-            <a:r>
-              <a:rPr lang="en-ZA" dirty="0" smtClean="0"/>
-              <a:t>@</a:t>
-            </a:r>
-            <a:r>
-              <a:rPr lang="en-ZA" dirty="0" err="1" smtClean="0"/>
-              <a:t>RunWith</a:t>
-            </a:r>
-            <a:endParaRPr lang="en-ZA" dirty="0" smtClean="0"/>
-          </a:p>
-          <a:p>
-            <a:r>
-              <a:rPr lang="en-ZA" dirty="0" smtClean="0"/>
+          <a:p>
+            <a:r>
+              <a:rPr lang="en-ZA" dirty="0"/>
               <a:t>@Parameter &amp; @Parameters</a:t>
             </a:r>
           </a:p>
           <a:p>
             <a:r>
-              <a:rPr lang="en-ZA" dirty="0" smtClean="0"/>
+              <a:rPr lang="en-ZA" dirty="0"/>
               <a:t>@Rule</a:t>
             </a:r>
           </a:p>
           <a:p>
             <a:r>
-              <a:rPr lang="en-ZA" dirty="0" smtClean="0"/>
+              <a:rPr lang="en-ZA" dirty="0"/>
               <a:t>@Category</a:t>
             </a:r>
           </a:p>
           <a:p>
-            <a:endParaRPr lang="en-ZA" dirty="0" smtClean="0"/>
+            <a:endParaRPr lang="en-ZA" dirty="0"/>
           </a:p>
           <a:p>
             <a:endParaRPr lang="en-ZA" dirty="0"/>
@@ -5644,51 +5502,50 @@
           <a:lstStyle/>
           <a:p>
             <a:r>
-              <a:rPr lang="en-ZA" dirty="0" smtClean="0"/>
+              <a:rPr lang="en-ZA" dirty="0"/>
               <a:t>Test Driven Development</a:t>
             </a:r>
+          </a:p>
+        </p:txBody>
+      </p:sp>
+      <p:sp>
+        <p:nvSpPr>
+          <p:cNvPr id="3" name="Content Placeholder 2"/>
+          <p:cNvSpPr>
+            <a:spLocks noGrp="1"/>
+          </p:cNvSpPr>
+          <p:nvPr>
+            <p:ph idx="1"/>
+          </p:nvPr>
+        </p:nvSpPr>
+        <p:spPr/>
+        <p:txBody>
+          <a:bodyPr/>
+          <a:lstStyle/>
+          <a:p>
+            <a:r>
+              <a:rPr lang="en-ZA" dirty="0"/>
+              <a:t>Write the tests before the implementation</a:t>
+            </a:r>
+          </a:p>
+          <a:p>
+            <a:r>
+              <a:rPr lang="en-ZA" dirty="0"/>
+              <a:t>Create a suite of failing test that cover all cases</a:t>
+            </a:r>
+          </a:p>
+          <a:p>
+            <a:r>
+              <a:rPr lang="en-ZA" dirty="0"/>
+              <a:t>Once all tests are passing you know you are done</a:t>
+            </a:r>
+          </a:p>
+          <a:p>
             <a:endParaRPr lang="en-ZA" dirty="0"/>
           </a:p>
-        </p:txBody>
-      </p:sp>
-      <p:sp>
-        <p:nvSpPr>
-          <p:cNvPr id="3" name="Content Placeholder 2"/>
-          <p:cNvSpPr>
-            <a:spLocks noGrp="1"/>
-          </p:cNvSpPr>
-          <p:nvPr>
-            <p:ph idx="1"/>
-          </p:nvPr>
-        </p:nvSpPr>
-        <p:spPr/>
-        <p:txBody>
-          <a:bodyPr/>
-          <a:lstStyle/>
-          <a:p>
-            <a:r>
-              <a:rPr lang="en-ZA" dirty="0" smtClean="0"/>
-              <a:t>Write the tests before the implementation</a:t>
-            </a:r>
-          </a:p>
-          <a:p>
-            <a:r>
-              <a:rPr lang="en-ZA" dirty="0" smtClean="0"/>
-              <a:t>Create a suite of failing test that cover all cases</a:t>
-            </a:r>
-          </a:p>
-          <a:p>
-            <a:r>
-              <a:rPr lang="en-ZA" dirty="0" smtClean="0"/>
-              <a:t>Once all tests are passing you know you are done</a:t>
-            </a:r>
-          </a:p>
-          <a:p>
-            <a:endParaRPr lang="en-ZA" dirty="0"/>
-          </a:p>
-          <a:p>
-            <a:r>
-              <a:rPr lang="en-ZA" dirty="0" smtClean="0"/>
+          <a:p>
+            <a:r>
+              <a:rPr lang="en-ZA" dirty="0"/>
               <a:t>Use your IDEs refactoring tools to generate the code</a:t>
             </a:r>
           </a:p>
@@ -5743,67 +5600,66 @@
           <a:lstStyle/>
           <a:p>
             <a:r>
-              <a:rPr lang="en-ZA" dirty="0" smtClean="0"/>
+              <a:rPr lang="en-ZA" dirty="0"/>
               <a:t>Mocking: How do I start</a:t>
             </a:r>
+          </a:p>
+        </p:txBody>
+      </p:sp>
+      <p:sp>
+        <p:nvSpPr>
+          <p:cNvPr id="3" name="Content Placeholder 2"/>
+          <p:cNvSpPr>
+            <a:spLocks noGrp="1"/>
+          </p:cNvSpPr>
+          <p:nvPr>
+            <p:ph idx="1"/>
+          </p:nvPr>
+        </p:nvSpPr>
+        <p:spPr/>
+        <p:txBody>
+          <a:bodyPr/>
+          <a:lstStyle/>
+          <a:p>
+            <a:r>
+              <a:rPr lang="en-ZA" dirty="0"/>
+              <a:t>Background</a:t>
+            </a:r>
+          </a:p>
+          <a:p>
+            <a:pPr lvl="1"/>
+            <a:r>
+              <a:rPr lang="en-ZA" dirty="0" err="1"/>
+              <a:t>EasyMock</a:t>
+            </a:r>
+            <a:r>
+              <a:rPr lang="en-ZA" dirty="0"/>
+              <a:t> </a:t>
+            </a:r>
+            <a:r>
+              <a:rPr lang="en-ZA" dirty="0" err="1"/>
+              <a:t>vs</a:t>
+            </a:r>
+            <a:r>
+              <a:rPr lang="en-ZA" dirty="0"/>
+              <a:t> </a:t>
+            </a:r>
+            <a:r>
+              <a:rPr lang="en-ZA" dirty="0" err="1"/>
+              <a:t>Mockito</a:t>
+            </a:r>
             <a:endParaRPr lang="en-ZA" dirty="0"/>
           </a:p>
-        </p:txBody>
-      </p:sp>
-      <p:sp>
-        <p:nvSpPr>
-          <p:cNvPr id="3" name="Content Placeholder 2"/>
-          <p:cNvSpPr>
-            <a:spLocks noGrp="1"/>
-          </p:cNvSpPr>
-          <p:nvPr>
-            <p:ph idx="1"/>
-          </p:nvPr>
-        </p:nvSpPr>
-        <p:spPr/>
-        <p:txBody>
-          <a:bodyPr/>
-          <a:lstStyle/>
-          <a:p>
-            <a:r>
-              <a:rPr lang="en-ZA" dirty="0" smtClean="0"/>
-              <a:t>Background</a:t>
-            </a:r>
-          </a:p>
           <a:p>
             <a:pPr lvl="1"/>
             <a:r>
-              <a:rPr lang="en-ZA" dirty="0" err="1" smtClean="0"/>
-              <a:t>EasyMock</a:t>
-            </a:r>
-            <a:r>
-              <a:rPr lang="en-ZA" dirty="0" smtClean="0"/>
-              <a:t> </a:t>
-            </a:r>
-            <a:r>
-              <a:rPr lang="en-ZA" dirty="0" err="1" smtClean="0"/>
-              <a:t>vs</a:t>
-            </a:r>
-            <a:r>
-              <a:rPr lang="en-ZA" dirty="0" smtClean="0"/>
-              <a:t> </a:t>
-            </a:r>
-            <a:r>
-              <a:rPr lang="en-ZA" dirty="0" err="1" smtClean="0"/>
-              <a:t>Mockito</a:t>
-            </a:r>
-            <a:endParaRPr lang="en-ZA" dirty="0" smtClean="0"/>
-          </a:p>
-          <a:p>
-            <a:pPr lvl="1"/>
-            <a:r>
-              <a:rPr lang="en-ZA" dirty="0" smtClean="0"/>
+              <a:rPr lang="en-ZA" dirty="0"/>
               <a:t>Stubs != Mocks</a:t>
             </a:r>
           </a:p>
           <a:p>
             <a:r>
-              <a:rPr lang="en-ZA" dirty="0" smtClean="0">
+              <a:rPr lang="en-ZA" dirty="0">
                 <a:sym typeface="Wingdings" panose="05000000000000000000" pitchFamily="2" charset="2"/>
               </a:rPr>
               <a:t>Installation using Maven</a:t>
@@ -5811,7 +5667,7 @@
           </a:p>
           <a:p>
             <a:r>
-              <a:rPr lang="en-ZA" dirty="0" smtClean="0">
+              <a:rPr lang="en-ZA" dirty="0">
                 <a:sym typeface="Wingdings" panose="05000000000000000000" pitchFamily="2" charset="2"/>
               </a:rPr>
               <a:t>Limits</a:t>
@@ -5819,7 +5675,7 @@
           </a:p>
           <a:p>
             <a:r>
-              <a:rPr lang="en-ZA" dirty="0" smtClean="0">
+              <a:rPr lang="en-ZA" dirty="0">
                 <a:sym typeface="Wingdings" panose="05000000000000000000" pitchFamily="2" charset="2"/>
               </a:rPr>
               <a:t>@Mock</a:t>
@@ -5827,31 +5683,31 @@
           </a:p>
           <a:p>
             <a:r>
-              <a:rPr lang="en-ZA" dirty="0" smtClean="0">
+              <a:rPr lang="en-ZA" dirty="0">
                 <a:sym typeface="Wingdings" panose="05000000000000000000" pitchFamily="2" charset="2"/>
               </a:rPr>
               <a:t>@</a:t>
             </a:r>
             <a:r>
-              <a:rPr lang="en-ZA" dirty="0" err="1" smtClean="0">
+              <a:rPr lang="en-ZA" dirty="0" err="1">
                 <a:sym typeface="Wingdings" panose="05000000000000000000" pitchFamily="2" charset="2"/>
               </a:rPr>
               <a:t>InjectMocks</a:t>
             </a:r>
-            <a:endParaRPr lang="en-ZA" dirty="0" smtClean="0">
+            <a:endParaRPr lang="en-ZA" dirty="0">
               <a:sym typeface="Wingdings" panose="05000000000000000000" pitchFamily="2" charset="2"/>
             </a:endParaRPr>
           </a:p>
           <a:p>
             <a:r>
-              <a:rPr lang="en-ZA" dirty="0" smtClean="0">
+              <a:rPr lang="en-ZA" dirty="0">
                 <a:sym typeface="Wingdings" panose="05000000000000000000" pitchFamily="2" charset="2"/>
               </a:rPr>
               <a:t>Verify</a:t>
             </a:r>
           </a:p>
           <a:p>
-            <a:endParaRPr lang="en-ZA" dirty="0" smtClean="0">
+            <a:endParaRPr lang="en-ZA" dirty="0">
               <a:sym typeface="Wingdings" panose="05000000000000000000" pitchFamily="2" charset="2"/>
             </a:endParaRPr>
           </a:p>
@@ -5906,10 +5762,9 @@
           <a:lstStyle/>
           <a:p>
             <a:r>
-              <a:rPr lang="en-ZA" dirty="0" smtClean="0"/>
+              <a:rPr lang="en-ZA" dirty="0"/>
               <a:t>Advanced Mocking</a:t>
             </a:r>
-            <a:endParaRPr lang="en-ZA" dirty="0"/>
           </a:p>
         </p:txBody>
       </p:sp>
@@ -5929,22 +5784,21 @@
           <a:lstStyle/>
           <a:p>
             <a:r>
-              <a:rPr lang="en-ZA" dirty="0" smtClean="0"/>
+              <a:rPr lang="en-ZA" dirty="0"/>
               <a:t>Void methods</a:t>
             </a:r>
           </a:p>
           <a:p>
             <a:r>
-              <a:rPr lang="en-ZA" dirty="0" smtClean="0"/>
+              <a:rPr lang="en-ZA" dirty="0"/>
               <a:t>Exceptions</a:t>
             </a:r>
           </a:p>
           <a:p>
             <a:r>
-              <a:rPr lang="en-ZA" dirty="0" smtClean="0"/>
+              <a:rPr lang="en-ZA" dirty="0"/>
               <a:t>Catching &amp; Hijacking inputs</a:t>
             </a:r>
-            <a:endParaRPr lang="en-ZA" dirty="0"/>
           </a:p>
         </p:txBody>
       </p:sp>
@@ -5994,10 +5848,9 @@
           <a:lstStyle/>
           <a:p>
             <a:r>
-              <a:rPr lang="en-ZA" dirty="0" smtClean="0"/>
+              <a:rPr lang="en-ZA" dirty="0"/>
               <a:t>Notes on integration testing</a:t>
             </a:r>
-            <a:endParaRPr lang="en-ZA" dirty="0"/>
           </a:p>
         </p:txBody>
       </p:sp>
@@ -6017,16 +5870,15 @@
           <a:lstStyle/>
           <a:p>
             <a:r>
-              <a:rPr lang="en-ZA" dirty="0" smtClean="0"/>
+              <a:rPr lang="en-ZA" dirty="0"/>
               <a:t>In memory undertow REST server</a:t>
             </a:r>
           </a:p>
           <a:p>
             <a:r>
-              <a:rPr lang="en-ZA" dirty="0" smtClean="0"/>
+              <a:rPr lang="en-ZA" dirty="0"/>
               <a:t>Spring context</a:t>
             </a:r>
-            <a:endParaRPr lang="en-ZA" dirty="0"/>
           </a:p>
         </p:txBody>
       </p:sp>
